--- a/Lecture_1A_2022.pptx
+++ b/Lecture_1A_2022.pptx
@@ -237,7 +237,7 @@
             <a:fld id="{F87B97B5-F871-4FC5-9BD5-1D612CA2E440}" type="datetimeFigureOut">
               <a:rPr lang="en-US" smtClean="0"/>
               <a:pPr/>
-              <a:t>1/23/2022</a:t>
+              <a:t>1/25/2022</a:t>
             </a:fld>
             <a:endParaRPr lang="en-US"/>
           </a:p>
@@ -1221,7 +1221,7 @@
             <a:fld id="{8DE66391-B152-4A85-94C9-5CAB85A9EBEE}" type="datetimeFigureOut">
               <a:rPr lang="en-US" smtClean="0"/>
               <a:pPr/>
-              <a:t>1/23/2022</a:t>
+              <a:t>1/25/2022</a:t>
             </a:fld>
             <a:endParaRPr lang="en-US"/>
           </a:p>
@@ -1458,7 +1458,7 @@
             <a:fld id="{8DE66391-B152-4A85-94C9-5CAB85A9EBEE}" type="datetimeFigureOut">
               <a:rPr lang="en-US" smtClean="0"/>
               <a:pPr/>
-              <a:t>1/23/2022</a:t>
+              <a:t>1/25/2022</a:t>
             </a:fld>
             <a:endParaRPr lang="en-US"/>
           </a:p>
@@ -1974,7 +1974,7 @@
             <a:fld id="{8DE66391-B152-4A85-94C9-5CAB85A9EBEE}" type="datetimeFigureOut">
               <a:rPr lang="en-US" smtClean="0"/>
               <a:pPr/>
-              <a:t>1/23/2022</a:t>
+              <a:t>1/25/2022</a:t>
             </a:fld>
             <a:endParaRPr lang="en-US"/>
           </a:p>
@@ -2289,7 +2289,7 @@
             <a:fld id="{8DE66391-B152-4A85-94C9-5CAB85A9EBEE}" type="datetimeFigureOut">
               <a:rPr lang="en-US" smtClean="0"/>
               <a:pPr/>
-              <a:t>1/23/2022</a:t>
+              <a:t>1/25/2022</a:t>
             </a:fld>
             <a:endParaRPr lang="en-US"/>
           </a:p>
@@ -2845,13 +2845,8 @@
             <a:pPr algn="l"/>
             <a:r>
               <a:rPr lang="en-US" sz="2400" dirty="0" smtClean="0"/>
-              <a:t>Weekly </a:t>
-            </a:r>
-            <a:r>
-              <a:rPr lang="en-US" sz="2400" dirty="0" smtClean="0"/>
-              <a:t>materials include:</a:t>
-            </a:r>
-            <a:endParaRPr lang="en-US" sz="2400" dirty="0" smtClean="0"/>
+              <a:t>Weekly materials include:</a:t>
+            </a:r>
           </a:p>
           <a:p>
             <a:pPr lvl="2"/>
@@ -2904,15 +2899,7 @@
             <a:pPr lvl="2"/>
             <a:r>
               <a:rPr lang="en-US" dirty="0" smtClean="0"/>
-              <a:t>    Can be taken </a:t>
-            </a:r>
-            <a:r>
-              <a:rPr lang="en-US" dirty="0" smtClean="0"/>
-              <a:t>up to 10 times </a:t>
-            </a:r>
-            <a:r>
-              <a:rPr lang="en-US" dirty="0" smtClean="0"/>
-              <a:t>(highest score is recorded)</a:t>
+              <a:t>    Can be taken up to 10 times (highest score is recorded)</a:t>
             </a:r>
           </a:p>
           <a:p>
@@ -3009,29 +2996,8 @@
             <a:pPr lvl="1"/>
             <a:r>
               <a:rPr lang="en-US" dirty="0" smtClean="0"/>
-              <a:t>Location:  Sections </a:t>
-            </a:r>
-            <a:r>
-              <a:rPr lang="en-US" dirty="0" smtClean="0"/>
-              <a:t>12 </a:t>
-            </a:r>
-            <a:r>
-              <a:rPr lang="en-US" dirty="0" smtClean="0"/>
-              <a:t>&amp; </a:t>
-            </a:r>
-            <a:r>
-              <a:rPr lang="en-US" dirty="0" smtClean="0"/>
-              <a:t>14 </a:t>
-            </a:r>
-            <a:r>
-              <a:rPr lang="en-US" dirty="0" smtClean="0"/>
-              <a:t>– 203C Kirk, all others </a:t>
-            </a:r>
-            <a:r>
-              <a:rPr lang="en-US" dirty="0" smtClean="0"/>
-              <a:t>Kirk 212</a:t>
-            </a:r>
-            <a:endParaRPr lang="en-US" dirty="0" smtClean="0"/>
+              <a:t>Location:  Sections 12 &amp; 14 – 203C Kirk, all others Kirk 212</a:t>
+            </a:r>
           </a:p>
           <a:p>
             <a:pPr lvl="1"/>
@@ -3218,27 +3184,14 @@
             <a:pPr lvl="1"/>
             <a:r>
               <a:rPr lang="en-US" sz="3600" dirty="0" smtClean="0"/>
-              <a:t>Date:  	Monday, </a:t>
-            </a:r>
+              <a:t>Date:  	Monday, February 28</a:t>
+            </a:r>
+          </a:p>
+          <a:p>
+            <a:pPr lvl="1"/>
             <a:r>
               <a:rPr lang="en-US" sz="3600" dirty="0" smtClean="0"/>
-              <a:t>February 28</a:t>
-            </a:r>
-            <a:endParaRPr lang="en-US" sz="3600" dirty="0" smtClean="0"/>
-          </a:p>
-          <a:p>
-            <a:pPr lvl="1"/>
-            <a:r>
-              <a:rPr lang="en-US" sz="3600" dirty="0" smtClean="0"/>
-              <a:t>Time: 	Section </a:t>
-            </a:r>
-            <a:r>
-              <a:rPr lang="en-US" sz="3600" dirty="0" smtClean="0"/>
-              <a:t>L01 </a:t>
-            </a:r>
-            <a:r>
-              <a:rPr lang="en-US" sz="3600" dirty="0" smtClean="0"/>
-              <a:t>– </a:t>
+              <a:t>Time: 	Section L01 – </a:t>
             </a:r>
             <a:r>
               <a:rPr lang="en-US" sz="3600" dirty="0"/>
@@ -3246,36 +3199,15 @@
             </a:r>
             <a:r>
               <a:rPr lang="en-US" sz="3600" dirty="0" smtClean="0"/>
-              <a:t> PM, Section </a:t>
-            </a:r>
+              <a:t> PM, Section L02 – 5 PM , Section L03 – 6 PM</a:t>
+            </a:r>
+          </a:p>
+          <a:p>
+            <a:pPr lvl="1"/>
             <a:r>
               <a:rPr lang="en-US" sz="3600" dirty="0" smtClean="0"/>
-              <a:t>L02 </a:t>
-            </a:r>
-            <a:r>
-              <a:rPr lang="en-US" sz="3600" dirty="0" smtClean="0"/>
-              <a:t>– 5 PM , Section </a:t>
-            </a:r>
-            <a:r>
-              <a:rPr lang="en-US" sz="3600" dirty="0" smtClean="0"/>
-              <a:t>L03 </a:t>
-            </a:r>
-            <a:r>
-              <a:rPr lang="en-US" sz="3600" dirty="0" smtClean="0"/>
-              <a:t>– 6 PM</a:t>
-            </a:r>
-          </a:p>
-          <a:p>
-            <a:pPr lvl="1"/>
-            <a:r>
-              <a:rPr lang="en-US" sz="3600" dirty="0" smtClean="0"/>
-              <a:t>Location:  	</a:t>
-            </a:r>
-            <a:r>
-              <a:rPr lang="en-US" sz="3600" dirty="0" smtClean="0"/>
-              <a:t>TBD</a:t>
-            </a:r>
-            <a:endParaRPr lang="en-US" sz="3600" dirty="0" smtClean="0"/>
+              <a:t>Location:  	TBD</a:t>
+            </a:r>
           </a:p>
           <a:p>
             <a:pPr lvl="1"/>
@@ -3308,23 +3240,7 @@
             </a:r>
             <a:r>
               <a:rPr lang="en-US" sz="3600" dirty="0" smtClean="0"/>
-              <a:t>March </a:t>
-            </a:r>
-            <a:r>
-              <a:rPr lang="en-US" sz="3600" dirty="0" smtClean="0"/>
-              <a:t>29 </a:t>
-            </a:r>
-            <a:r>
-              <a:rPr lang="en-US" sz="3600" dirty="0" smtClean="0"/>
-              <a:t>(Tues.) or March </a:t>
-            </a:r>
-            <a:r>
-              <a:rPr lang="en-US" sz="3600" dirty="0" smtClean="0"/>
-              <a:t>31 </a:t>
-            </a:r>
-            <a:r>
-              <a:rPr lang="en-US" sz="3600" dirty="0" smtClean="0"/>
-              <a:t>(Thurs.)</a:t>
+              <a:t>March 29 (Tues.) or March 31 (Thurs.)</a:t>
             </a:r>
             <a:endParaRPr lang="en-US" sz="3600" dirty="0"/>
           </a:p>
@@ -3351,11 +3267,7 @@
             <a:pPr lvl="1"/>
             <a:r>
               <a:rPr lang="en-US" sz="3600" dirty="0" smtClean="0"/>
-              <a:t>Location:  	</a:t>
-            </a:r>
-            <a:r>
-              <a:rPr lang="en-US" sz="3600" dirty="0" smtClean="0"/>
-              <a:t>Kirk 212 or 203C</a:t>
+              <a:t>Location:  	Kirk 212 or 203C</a:t>
             </a:r>
             <a:r>
               <a:rPr lang="en-US" dirty="0" smtClean="0"/>
@@ -5665,11 +5577,7 @@
           <a:p>
             <a:r>
               <a:rPr lang="en-US" dirty="0" smtClean="0"/>
-              <a:t>Program Announcement</a:t>
-            </a:r>
-            <a:r>
-              <a:rPr lang="en-US" dirty="0" smtClean="0"/>
-              <a:t>:</a:t>
+              <a:t>Program Announcement:</a:t>
             </a:r>
             <a:br>
               <a:rPr lang="en-US" dirty="0" smtClean="0"/>
@@ -5792,11 +5700,7 @@
             <a:pPr algn="ctr"/>
             <a:r>
               <a:rPr lang="en-US" sz="2200" dirty="0" smtClean="0"/>
-              <a:t>Wednesdays </a:t>
-            </a:r>
-            <a:r>
-              <a:rPr lang="en-US" sz="2200" dirty="0" smtClean="0"/>
-              <a:t>5 PM, </a:t>
+              <a:t>Wednesdays 5 PM, </a:t>
             </a:r>
             <a:r>
               <a:rPr lang="en-US" sz="2200" dirty="0" err="1" smtClean="0"/>
@@ -5806,7 +5710,6 @@
               <a:rPr lang="en-US" sz="2200" dirty="0" smtClean="0"/>
               <a:t> 025C</a:t>
             </a:r>
-            <a:endParaRPr lang="en-US" sz="2200" dirty="0" smtClean="0"/>
           </a:p>
           <a:p>
             <a:pPr algn="ctr"/>
@@ -5816,21 +5719,8 @@
             </a:r>
             <a:r>
               <a:rPr lang="en-US" sz="2200" dirty="0" smtClean="0"/>
-              <a:t>pen to </a:t>
-            </a:r>
-            <a:r>
-              <a:rPr lang="en-US" sz="2200" dirty="0" smtClean="0"/>
-              <a:t>public, All students are </a:t>
-            </a:r>
-            <a:r>
-              <a:rPr lang="en-US" sz="2200" dirty="0" smtClean="0"/>
-              <a:t>w</a:t>
-            </a:r>
-            <a:r>
-              <a:rPr lang="en-US" sz="2200" dirty="0" smtClean="0"/>
-              <a:t>elcome to attend</a:t>
-            </a:r>
-            <a:endParaRPr lang="en-US" sz="2200" dirty="0" smtClean="0"/>
+              <a:t>pen to public, All students are welcome to attend</a:t>
+            </a:r>
           </a:p>
           <a:p>
             <a:pPr algn="l"/>
@@ -6046,11 +5936,7 @@
           <a:p>
             <a:r>
               <a:rPr lang="en-US" dirty="0" smtClean="0"/>
-              <a:t>For ECC computer </a:t>
-            </a:r>
-            <a:r>
-              <a:rPr lang="en-US" dirty="0" smtClean="0"/>
-              <a:t>access, be sure to have your ECC login name and password (same as account used in EGR 105, for assistance – see Help desk in ECC (203 Kirk) </a:t>
+              <a:t>For ECC computer access, be sure to have your ECC login name and password (same as account used in EGR 105, for assistance – see Help desk in ECC (203 Kirk) </a:t>
             </a:r>
             <a:r>
               <a:rPr lang="en-US" dirty="0"/>
@@ -6076,7 +5962,6 @@
               <a:rPr lang="en-US" dirty="0" smtClean="0"/>
               <a:t>number.</a:t>
             </a:r>
-            <a:endParaRPr lang="en-US" dirty="0" smtClean="0"/>
           </a:p>
         </p:txBody>
       </p:sp>
@@ -6992,13 +6877,7 @@
               <a:rPr lang="en-US" sz="2800" dirty="0" smtClean="0">
                 <a:hlinkClick r:id="rId2"/>
               </a:rPr>
-              <a:t>free access for URI </a:t>
-            </a:r>
-            <a:r>
-              <a:rPr lang="en-US" sz="2800" dirty="0" smtClean="0">
-                <a:hlinkClick r:id="rId2"/>
-              </a:rPr>
-              <a:t>students</a:t>
+              <a:t>free access for URI students</a:t>
             </a:r>
             <a:endParaRPr lang="en-US" sz="2800" dirty="0" smtClean="0"/>
           </a:p>
@@ -7144,13 +7023,8 @@
             </a:pPr>
             <a:r>
               <a:rPr lang="en-US" sz="2200" dirty="0" smtClean="0"/>
-              <a:t>    Monday evening </a:t>
-            </a:r>
-            <a:r>
-              <a:rPr lang="en-US" sz="2200" dirty="0" smtClean="0"/>
-              <a:t>lectures </a:t>
-            </a:r>
-            <a:endParaRPr lang="en-US" sz="2200" dirty="0" smtClean="0"/>
+              <a:t>    Monday evening lectures </a:t>
+            </a:r>
           </a:p>
           <a:p>
             <a:pPr marL="800100" lvl="1" indent="-342900">
@@ -7169,23 +7043,7 @@
             </a:pPr>
             <a:r>
               <a:rPr lang="en-US" sz="2200" dirty="0" smtClean="0"/>
-              <a:t>Remaining weeks: Live </a:t>
-            </a:r>
-            <a:r>
-              <a:rPr lang="en-US" sz="2200" dirty="0" smtClean="0"/>
-              <a:t>in-person</a:t>
-            </a:r>
-            <a:r>
-              <a:rPr lang="en-US" sz="2200" dirty="0" smtClean="0"/>
-              <a:t> </a:t>
-            </a:r>
-            <a:r>
-              <a:rPr lang="en-US" sz="2200" dirty="0" smtClean="0"/>
-              <a:t>lectures every week at 4 </a:t>
-            </a:r>
-            <a:r>
-              <a:rPr lang="en-US" sz="2200" dirty="0" smtClean="0"/>
-              <a:t>PM in </a:t>
+              <a:t>Remaining weeks: Live in-person lectures every week at 4 PM in </a:t>
             </a:r>
             <a:r>
               <a:rPr lang="en-US" sz="2200" dirty="0" err="1" smtClean="0"/>
@@ -7193,19 +7051,7 @@
             </a:r>
             <a:r>
               <a:rPr lang="en-US" sz="2200" dirty="0" smtClean="0"/>
-              <a:t> Aud</a:t>
-            </a:r>
-            <a:r>
-              <a:rPr lang="en-US" sz="2200" dirty="0" smtClean="0"/>
-              <a:t>itorium</a:t>
-            </a:r>
-            <a:r>
-              <a:rPr lang="en-US" sz="2200" dirty="0" smtClean="0"/>
-              <a:t> </a:t>
-            </a:r>
-            <a:r>
-              <a:rPr lang="en-US" sz="2200" dirty="0" smtClean="0"/>
-              <a:t>(attendance optional, open to everyone)</a:t>
+              <a:t> Auditorium (attendance optional, open to everyone)</a:t>
             </a:r>
           </a:p>
           <a:p>
@@ -7249,19 +7095,7 @@
             </a:pPr>
             <a:r>
               <a:rPr lang="en-US" sz="2200" dirty="0" smtClean="0"/>
-              <a:t>    First Semester Exam – </a:t>
-            </a:r>
-            <a:r>
-              <a:rPr lang="en-US" sz="2200" dirty="0" smtClean="0"/>
-              <a:t>2</a:t>
-            </a:r>
-            <a:r>
-              <a:rPr lang="en-US" sz="2200" dirty="0" smtClean="0"/>
-              <a:t>/28 </a:t>
-            </a:r>
-            <a:r>
-              <a:rPr lang="en-US" sz="2200" dirty="0" smtClean="0"/>
-              <a:t>(Monday) at 4, </a:t>
+              <a:t>    First Semester Exam – 2/28 (Monday) at 4, </a:t>
             </a:r>
             <a:r>
               <a:rPr lang="en-US" sz="2200" dirty="0"/>
@@ -7269,7 +7103,15 @@
             </a:r>
             <a:r>
               <a:rPr lang="en-US" sz="2200" dirty="0" smtClean="0"/>
-              <a:t> or 6 PM (Online)</a:t>
+              <a:t> or </a:t>
+            </a:r>
+            <a:r>
+              <a:rPr lang="en-US" sz="2200" smtClean="0"/>
+              <a:t>6 </a:t>
+            </a:r>
+            <a:r>
+              <a:rPr lang="en-US" sz="2200" smtClean="0"/>
+              <a:t>PM</a:t>
             </a:r>
             <a:endParaRPr lang="en-US" sz="2200" dirty="0"/>
           </a:p>
@@ -7292,19 +7134,7 @@
             </a:r>
             <a:r>
               <a:rPr lang="en-US" sz="2200" dirty="0" smtClean="0"/>
-              <a:t>3/29 </a:t>
-            </a:r>
-            <a:r>
-              <a:rPr lang="en-US" sz="2200" dirty="0" smtClean="0"/>
-              <a:t>(Tues.) or </a:t>
-            </a:r>
-            <a:r>
-              <a:rPr lang="en-US" sz="2200" dirty="0" smtClean="0"/>
-              <a:t>3/31 </a:t>
-            </a:r>
-            <a:r>
-              <a:rPr lang="en-US" sz="2200" dirty="0" smtClean="0"/>
-              <a:t>(Thurs.)</a:t>
+              <a:t>3/29 (Tues.) or 3/31 (Thurs.)</a:t>
             </a:r>
           </a:p>
           <a:p>
